--- a/Active-Active-Puppet-Master.pptx
+++ b/Active-Active-Puppet-Master.pptx
@@ -399,7 +399,7 @@
           <a:p>
             <a:fld id="{4E95745D-BF87-DB41-84D7-BF2C164DF31D}" type="datetimeFigureOut">
               <a:rPr lang="en-US" smtClean="0"/>
-              <a:t>2/18/14</a:t>
+              <a:t>2/19/14</a:t>
             </a:fld>
             <a:endParaRPr lang="en-US"/>
           </a:p>
@@ -591,7 +591,7 @@
           <a:p>
             <a:fld id="{4E95745D-BF87-DB41-84D7-BF2C164DF31D}" type="datetimeFigureOut">
               <a:rPr lang="en-US" smtClean="0"/>
-              <a:t>2/18/14</a:t>
+              <a:t>2/19/14</a:t>
             </a:fld>
             <a:endParaRPr lang="en-US"/>
           </a:p>
@@ -860,7 +860,7 @@
           <a:p>
             <a:fld id="{4E95745D-BF87-DB41-84D7-BF2C164DF31D}" type="datetimeFigureOut">
               <a:rPr lang="en-US" smtClean="0"/>
-              <a:t>2/18/14</a:t>
+              <a:t>2/19/14</a:t>
             </a:fld>
             <a:endParaRPr lang="en-US"/>
           </a:p>
@@ -1039,7 +1039,7 @@
           <a:p>
             <a:fld id="{4E95745D-BF87-DB41-84D7-BF2C164DF31D}" type="datetimeFigureOut">
               <a:rPr lang="en-US" smtClean="0"/>
-              <a:t>2/18/14</a:t>
+              <a:t>2/19/14</a:t>
             </a:fld>
             <a:endParaRPr lang="en-US"/>
           </a:p>
@@ -1208,7 +1208,7 @@
           <a:p>
             <a:fld id="{4E95745D-BF87-DB41-84D7-BF2C164DF31D}" type="datetimeFigureOut">
               <a:rPr lang="en-US" smtClean="0"/>
-              <a:t>2/18/14</a:t>
+              <a:t>2/19/14</a:t>
             </a:fld>
             <a:endParaRPr lang="en-US"/>
           </a:p>
@@ -1450,7 +1450,7 @@
           <a:p>
             <a:fld id="{4E95745D-BF87-DB41-84D7-BF2C164DF31D}" type="datetimeFigureOut">
               <a:rPr lang="en-US" smtClean="0"/>
-              <a:t>2/18/14</a:t>
+              <a:t>2/19/14</a:t>
             </a:fld>
             <a:endParaRPr lang="en-US"/>
           </a:p>
@@ -1773,7 +1773,7 @@
           <a:p>
             <a:fld id="{4E95745D-BF87-DB41-84D7-BF2C164DF31D}" type="datetimeFigureOut">
               <a:rPr lang="en-US" smtClean="0"/>
-              <a:t>2/18/14</a:t>
+              <a:t>2/19/14</a:t>
             </a:fld>
             <a:endParaRPr lang="en-US"/>
           </a:p>
@@ -2071,7 +2071,7 @@
           <a:p>
             <a:fld id="{4E95745D-BF87-DB41-84D7-BF2C164DF31D}" type="datetimeFigureOut">
               <a:rPr lang="en-US" smtClean="0"/>
-              <a:t>2/18/14</a:t>
+              <a:t>2/19/14</a:t>
             </a:fld>
             <a:endParaRPr lang="en-US"/>
           </a:p>
@@ -2527,7 +2527,7 @@
           <a:p>
             <a:fld id="{4E95745D-BF87-DB41-84D7-BF2C164DF31D}" type="datetimeFigureOut">
               <a:rPr lang="en-US" smtClean="0"/>
-              <a:t>2/18/14</a:t>
+              <a:t>2/19/14</a:t>
             </a:fld>
             <a:endParaRPr lang="en-US"/>
           </a:p>
@@ -2640,7 +2640,7 @@
           <a:p>
             <a:fld id="{4E95745D-BF87-DB41-84D7-BF2C164DF31D}" type="datetimeFigureOut">
               <a:rPr lang="en-US" smtClean="0"/>
-              <a:t>2/18/14</a:t>
+              <a:t>2/19/14</a:t>
             </a:fld>
             <a:endParaRPr lang="en-US"/>
           </a:p>
@@ -2730,7 +2730,7 @@
           <a:p>
             <a:fld id="{4E95745D-BF87-DB41-84D7-BF2C164DF31D}" type="datetimeFigureOut">
               <a:rPr lang="en-US" smtClean="0"/>
-              <a:t>2/18/14</a:t>
+              <a:t>2/19/14</a:t>
             </a:fld>
             <a:endParaRPr lang="en-US"/>
           </a:p>
@@ -3012,7 +3012,7 @@
           <a:p>
             <a:fld id="{4E95745D-BF87-DB41-84D7-BF2C164DF31D}" type="datetimeFigureOut">
               <a:rPr lang="en-US" smtClean="0"/>
-              <a:t>2/18/14</a:t>
+              <a:t>2/19/14</a:t>
             </a:fld>
             <a:endParaRPr lang="en-US"/>
           </a:p>
@@ -3218,7 +3218,7 @@
           <a:p>
             <a:fld id="{4E95745D-BF87-DB41-84D7-BF2C164DF31D}" type="datetimeFigureOut">
               <a:rPr lang="en-US" smtClean="0"/>
-              <a:t>2/18/14</a:t>
+              <a:t>2/19/14</a:t>
             </a:fld>
             <a:endParaRPr lang="en-US"/>
           </a:p>
@@ -3865,7 +3865,6 @@
               <a:rPr lang="en-US" sz="2400" dirty="0"/>
               <a:t>/Active-Active-Puppet-Master</a:t>
             </a:r>
-            <a:endParaRPr lang="en-US" sz="2400" dirty="0"/>
           </a:p>
         </p:txBody>
       </p:sp>
@@ -3978,23 +3977,7 @@
             </a:r>
             <a:r>
               <a:rPr lang="en-US" sz="3200" dirty="0" smtClean="0"/>
-              <a:t>wo </a:t>
-            </a:r>
-            <a:r>
-              <a:rPr lang="en-US" sz="3200" dirty="0" smtClean="0"/>
-              <a:t>puppet masters </a:t>
-            </a:r>
-            <a:r>
-              <a:rPr lang="en-US" sz="3200" dirty="0" smtClean="0"/>
-              <a:t>will</a:t>
-            </a:r>
-            <a:r>
-              <a:rPr lang="en-US" sz="3200" dirty="0" smtClean="0"/>
-              <a:t> </a:t>
-            </a:r>
-            <a:r>
-              <a:rPr lang="en-US" sz="3200" dirty="0" smtClean="0"/>
-              <a:t>work simultaneously. </a:t>
+              <a:t>wo puppet masters will work simultaneously. </a:t>
             </a:r>
           </a:p>
           <a:p>
@@ -4008,7 +3991,6 @@
               <a:rPr lang="en-US" sz="3200" dirty="0" smtClean="0"/>
               <a:t>Redundancy!</a:t>
             </a:r>
-            <a:endParaRPr lang="en-US" sz="3200" dirty="0" smtClean="0"/>
           </a:p>
         </p:txBody>
       </p:sp>
@@ -4631,7 +4613,6 @@
               <a:rPr lang="en-US" sz="2800" dirty="0" smtClean="0"/>
               <a:t> </a:t>
             </a:r>
-            <a:endParaRPr lang="en-US" sz="2800" dirty="0" smtClean="0"/>
           </a:p>
         </p:txBody>
       </p:sp>
@@ -4991,7 +4972,17 @@
                 <a:latin typeface="Lucida Console"/>
                 <a:cs typeface="Lucida Console"/>
               </a:rPr>
-              <a:t>  dns_alt_names = cobbler1-mia2, cobbler2-mia2</a:t>
+              <a:t>  dns_alt_names = </a:t>
+            </a:r>
+            <a:r>
+              <a:rPr lang="is-IS" dirty="0" smtClean="0">
+                <a:solidFill>
+                  <a:srgbClr val="000000"/>
+                </a:solidFill>
+                <a:latin typeface="Lucida Console"/>
+                <a:cs typeface="Lucida Console"/>
+              </a:rPr>
+              <a:t>master1,master2</a:t>
             </a:r>
             <a:endParaRPr lang="en-US" dirty="0">
               <a:solidFill>
@@ -5094,7 +5085,6 @@
               <a:rPr lang="en-US" sz="2800" dirty="0" smtClean="0"/>
               <a:t>Catalog error:</a:t>
             </a:r>
-            <a:endParaRPr lang="en-US" sz="2800" dirty="0" smtClean="0"/>
           </a:p>
           <a:p>
             <a:pPr marL="0" indent="0">
@@ -5111,29 +5101,20 @@
           <a:p>
             <a:r>
               <a:rPr lang="en-US" sz="2800" dirty="0" smtClean="0"/>
-              <a:t>Node </a:t>
-            </a:r>
+              <a:t>Node Error:</a:t>
+            </a:r>
+          </a:p>
+          <a:p>
+            <a:endParaRPr lang="en-US" sz="2000" dirty="0" smtClean="0"/>
+          </a:p>
+          <a:p>
+            <a:endParaRPr lang="en-US" sz="2000" dirty="0" smtClean="0"/>
+          </a:p>
+          <a:p>
             <a:r>
               <a:rPr lang="en-US" sz="2800" dirty="0" smtClean="0"/>
-              <a:t>Error:</a:t>
-            </a:r>
-          </a:p>
-          <a:p>
-            <a:endParaRPr lang="en-US" sz="2000" dirty="0" smtClean="0"/>
-          </a:p>
-          <a:p>
-            <a:endParaRPr lang="en-US" sz="2000" dirty="0" smtClean="0"/>
-          </a:p>
-          <a:p>
-            <a:r>
-              <a:rPr lang="en-US" sz="2800" dirty="0" smtClean="0"/>
-              <a:t>Report Error</a:t>
-            </a:r>
-            <a:r>
-              <a:rPr lang="en-US" sz="2800" dirty="0" smtClean="0"/>
-              <a:t>:</a:t>
-            </a:r>
-            <a:endParaRPr lang="en-US" sz="2800" dirty="0" smtClean="0"/>
+              <a:t>Report Error:</a:t>
+            </a:r>
           </a:p>
         </p:txBody>
       </p:sp>
